--- a/ThingSpaceTsM2.pptx
+++ b/ThingSpaceTsM2.pptx
@@ -313,7 +313,7 @@
           <a:p>
             <a:fld id="{D17C0673-4D49-4E82-8C72-D8AA60F272CB}" type="datetimeFigureOut">
               <a:rPr lang="pl-PL" smtClean="0"/>
-              <a:t>25.11.2025</a:t>
+              <a:t>26.11.2025</a:t>
             </a:fld>
             <a:endParaRPr lang="pl-PL"/>
           </a:p>
@@ -594,7 +594,7 @@
           <a:p>
             <a:fld id="{D17C0673-4D49-4E82-8C72-D8AA60F272CB}" type="datetimeFigureOut">
               <a:rPr lang="pl-PL" smtClean="0"/>
-              <a:t>25.11.2025</a:t>
+              <a:t>26.11.2025</a:t>
             </a:fld>
             <a:endParaRPr lang="pl-PL"/>
           </a:p>
@@ -786,7 +786,7 @@
           <a:p>
             <a:fld id="{D17C0673-4D49-4E82-8C72-D8AA60F272CB}" type="datetimeFigureOut">
               <a:rPr lang="pl-PL" smtClean="0"/>
-              <a:t>25.11.2025</a:t>
+              <a:t>26.11.2025</a:t>
             </a:fld>
             <a:endParaRPr lang="pl-PL"/>
           </a:p>
@@ -1047,7 +1047,7 @@
           <a:p>
             <a:fld id="{D17C0673-4D49-4E82-8C72-D8AA60F272CB}" type="datetimeFigureOut">
               <a:rPr lang="pl-PL" smtClean="0"/>
-              <a:t>25.11.2025</a:t>
+              <a:t>26.11.2025</a:t>
             </a:fld>
             <a:endParaRPr lang="pl-PL"/>
           </a:p>
@@ -1473,7 +1473,7 @@
           <a:p>
             <a:fld id="{D17C0673-4D49-4E82-8C72-D8AA60F272CB}" type="datetimeFigureOut">
               <a:rPr lang="pl-PL" smtClean="0"/>
-              <a:t>25.11.2025</a:t>
+              <a:t>26.11.2025</a:t>
             </a:fld>
             <a:endParaRPr lang="pl-PL"/>
           </a:p>
@@ -2019,7 +2019,7 @@
           <a:p>
             <a:fld id="{D17C0673-4D49-4E82-8C72-D8AA60F272CB}" type="datetimeFigureOut">
               <a:rPr lang="pl-PL" smtClean="0"/>
-              <a:t>25.11.2025</a:t>
+              <a:t>26.11.2025</a:t>
             </a:fld>
             <a:endParaRPr lang="pl-PL"/>
           </a:p>
@@ -2850,7 +2850,7 @@
           <a:p>
             <a:fld id="{D17C0673-4D49-4E82-8C72-D8AA60F272CB}" type="datetimeFigureOut">
               <a:rPr lang="pl-PL" smtClean="0"/>
-              <a:t>25.11.2025</a:t>
+              <a:t>26.11.2025</a:t>
             </a:fld>
             <a:endParaRPr lang="pl-PL"/>
           </a:p>
@@ -3020,7 +3020,7 @@
           <a:p>
             <a:fld id="{D17C0673-4D49-4E82-8C72-D8AA60F272CB}" type="datetimeFigureOut">
               <a:rPr lang="pl-PL" smtClean="0"/>
-              <a:t>25.11.2025</a:t>
+              <a:t>26.11.2025</a:t>
             </a:fld>
             <a:endParaRPr lang="pl-PL"/>
           </a:p>
@@ -3200,7 +3200,7 @@
           <a:p>
             <a:fld id="{D17C0673-4D49-4E82-8C72-D8AA60F272CB}" type="datetimeFigureOut">
               <a:rPr lang="pl-PL" smtClean="0"/>
-              <a:t>25.11.2025</a:t>
+              <a:t>26.11.2025</a:t>
             </a:fld>
             <a:endParaRPr lang="pl-PL"/>
           </a:p>
@@ -3370,7 +3370,7 @@
           <a:p>
             <a:fld id="{D17C0673-4D49-4E82-8C72-D8AA60F272CB}" type="datetimeFigureOut">
               <a:rPr lang="pl-PL" smtClean="0"/>
-              <a:t>25.11.2025</a:t>
+              <a:t>26.11.2025</a:t>
             </a:fld>
             <a:endParaRPr lang="pl-PL"/>
           </a:p>
@@ -3627,7 +3627,7 @@
           <a:p>
             <a:fld id="{D17C0673-4D49-4E82-8C72-D8AA60F272CB}" type="datetimeFigureOut">
               <a:rPr lang="pl-PL" smtClean="0"/>
-              <a:t>25.11.2025</a:t>
+              <a:t>26.11.2025</a:t>
             </a:fld>
             <a:endParaRPr lang="pl-PL"/>
           </a:p>
@@ -3859,7 +3859,7 @@
           <a:p>
             <a:fld id="{D17C0673-4D49-4E82-8C72-D8AA60F272CB}" type="datetimeFigureOut">
               <a:rPr lang="pl-PL" smtClean="0"/>
-              <a:t>25.11.2025</a:t>
+              <a:t>26.11.2025</a:t>
             </a:fld>
             <a:endParaRPr lang="pl-PL"/>
           </a:p>
@@ -4252,7 +4252,7 @@
           <a:p>
             <a:fld id="{D17C0673-4D49-4E82-8C72-D8AA60F272CB}" type="datetimeFigureOut">
               <a:rPr lang="pl-PL" smtClean="0"/>
-              <a:t>25.11.2025</a:t>
+              <a:t>26.11.2025</a:t>
             </a:fld>
             <a:endParaRPr lang="pl-PL"/>
           </a:p>
@@ -4370,7 +4370,7 @@
           <a:p>
             <a:fld id="{D17C0673-4D49-4E82-8C72-D8AA60F272CB}" type="datetimeFigureOut">
               <a:rPr lang="pl-PL" smtClean="0"/>
-              <a:t>25.11.2025</a:t>
+              <a:t>26.11.2025</a:t>
             </a:fld>
             <a:endParaRPr lang="pl-PL"/>
           </a:p>
@@ -4465,7 +4465,7 @@
           <a:p>
             <a:fld id="{D17C0673-4D49-4E82-8C72-D8AA60F272CB}" type="datetimeFigureOut">
               <a:rPr lang="pl-PL" smtClean="0"/>
-              <a:t>25.11.2025</a:t>
+              <a:t>26.11.2025</a:t>
             </a:fld>
             <a:endParaRPr lang="pl-PL"/>
           </a:p>
@@ -4738,7 +4738,7 @@
           <a:p>
             <a:fld id="{D17C0673-4D49-4E82-8C72-D8AA60F272CB}" type="datetimeFigureOut">
               <a:rPr lang="pl-PL" smtClean="0"/>
-              <a:t>25.11.2025</a:t>
+              <a:t>26.11.2025</a:t>
             </a:fld>
             <a:endParaRPr lang="pl-PL"/>
           </a:p>
@@ -5019,7 +5019,7 @@
           <a:p>
             <a:fld id="{D17C0673-4D49-4E82-8C72-D8AA60F272CB}" type="datetimeFigureOut">
               <a:rPr lang="pl-PL" smtClean="0"/>
-              <a:t>25.11.2025</a:t>
+              <a:t>26.11.2025</a:t>
             </a:fld>
             <a:endParaRPr lang="pl-PL"/>
           </a:p>
@@ -5259,7 +5259,7 @@
           <a:p>
             <a:fld id="{D17C0673-4D49-4E82-8C72-D8AA60F272CB}" type="datetimeFigureOut">
               <a:rPr lang="pl-PL" smtClean="0"/>
-              <a:t>25.11.2025</a:t>
+              <a:t>26.11.2025</a:t>
             </a:fld>
             <a:endParaRPr lang="pl-PL"/>
           </a:p>
@@ -6832,8 +6832,12 @@
           <a:p>
             <a:pPr algn="ctr"/>
             <a:r>
+              <a:rPr lang="en-IE" sz="1200"/>
+              <a:t>Move </a:t>
+            </a:r>
+            <a:r>
               <a:rPr lang="en-IE" sz="1200" dirty="0"/>
-              <a:t>Share Note</a:t>
+              <a:t>Note</a:t>
             </a:r>
             <a:endParaRPr lang="pl-PL" sz="1200" dirty="0"/>
           </a:p>
@@ -6983,7 +6987,7 @@
             <a:pPr algn="ctr"/>
             <a:r>
               <a:rPr lang="en-IE" sz="1000" dirty="0"/>
-              <a:t>Synonymic Search</a:t>
+              <a:t>Search Notes</a:t>
             </a:r>
             <a:endParaRPr lang="pl-PL" sz="1000" dirty="0"/>
           </a:p>

--- a/ThingSpaceTsM2.pptx
+++ b/ThingSpaceTsM2.pptx
@@ -10320,12 +10320,54 @@
           </a:p>
         </p:txBody>
       </p:sp>
-      <p:sp>
-        <p:nvSpPr>
-          <p:cNvPr id="100" name="Freeform: Shape 99">
-            <a:extLst>
-              <a:ext uri="{FF2B5EF4-FFF2-40B4-BE49-F238E27FC236}">
-                <a16:creationId xmlns:a16="http://schemas.microsoft.com/office/drawing/2014/main" id="{85A22C16-E044-FE5A-CC6E-53DB3310BDCE}"/>
+      <p:cxnSp>
+        <p:nvCxnSpPr>
+          <p:cNvPr id="104" name="Straight Arrow Connector 103">
+            <a:extLst>
+              <a:ext uri="{FF2B5EF4-FFF2-40B4-BE49-F238E27FC236}">
+                <a16:creationId xmlns:a16="http://schemas.microsoft.com/office/drawing/2014/main" id="{55D99649-194F-A049-97D3-B153CE113634}"/>
+              </a:ext>
+            </a:extLst>
+          </p:cNvPr>
+          <p:cNvCxnSpPr>
+            <a:cxnSpLocks/>
+            <a:endCxn id="94" idx="2"/>
+          </p:cNvCxnSpPr>
+          <p:nvPr/>
+        </p:nvCxnSpPr>
+        <p:spPr>
+          <a:xfrm flipH="1" flipV="1">
+            <a:off x="8351845" y="4828987"/>
+            <a:ext cx="12927" cy="768731"/>
+          </a:xfrm>
+          <a:prstGeom prst="straightConnector1">
+            <a:avLst/>
+          </a:prstGeom>
+          <a:ln>
+            <a:tailEnd type="triangle"/>
+          </a:ln>
+        </p:spPr>
+        <p:style>
+          <a:lnRef idx="1">
+            <a:schemeClr val="accent3"/>
+          </a:lnRef>
+          <a:fillRef idx="0">
+            <a:schemeClr val="accent3"/>
+          </a:fillRef>
+          <a:effectRef idx="0">
+            <a:schemeClr val="accent3"/>
+          </a:effectRef>
+          <a:fontRef idx="minor">
+            <a:schemeClr val="tx1"/>
+          </a:fontRef>
+        </p:style>
+      </p:cxnSp>
+      <p:sp>
+        <p:nvSpPr>
+          <p:cNvPr id="40" name="Freeform: Shape 39">
+            <a:extLst>
+              <a:ext uri="{FF2B5EF4-FFF2-40B4-BE49-F238E27FC236}">
+                <a16:creationId xmlns:a16="http://schemas.microsoft.com/office/drawing/2014/main" id="{CF798772-2744-5A25-0BF8-2BDC8A9B5A11}"/>
               </a:ext>
             </a:extLst>
           </p:cNvPr>
@@ -10334,20 +10376,20 @@
         </p:nvSpPr>
         <p:spPr>
           <a:xfrm>
-            <a:off x="4834393" y="3745064"/>
-            <a:ext cx="3530379" cy="1876508"/>
+            <a:off x="4850296" y="3753016"/>
+            <a:ext cx="3522427" cy="1892410"/>
           </a:xfrm>
           <a:custGeom>
             <a:avLst/>
             <a:gdLst>
-              <a:gd name="connsiteX0" fmla="*/ 0 w 3530379"/>
-              <a:gd name="connsiteY0" fmla="*/ 0 h 1876508"/>
-              <a:gd name="connsiteX1" fmla="*/ 238539 w 3530379"/>
-              <a:gd name="connsiteY1" fmla="*/ 15903 h 1876508"/>
-              <a:gd name="connsiteX2" fmla="*/ 365760 w 3530379"/>
-              <a:gd name="connsiteY2" fmla="*/ 1876508 h 1876508"/>
-              <a:gd name="connsiteX3" fmla="*/ 3530379 w 3530379"/>
-              <a:gd name="connsiteY3" fmla="*/ 1852654 h 1876508"/>
+              <a:gd name="connsiteX0" fmla="*/ 0 w 3522427"/>
+              <a:gd name="connsiteY0" fmla="*/ 0 h 1892410"/>
+              <a:gd name="connsiteX1" fmla="*/ 198782 w 3522427"/>
+              <a:gd name="connsiteY1" fmla="*/ 0 h 1892410"/>
+              <a:gd name="connsiteX2" fmla="*/ 310101 w 3522427"/>
+              <a:gd name="connsiteY2" fmla="*/ 1892410 h 1892410"/>
+              <a:gd name="connsiteX3" fmla="*/ 3522427 w 3522427"/>
+              <a:gd name="connsiteY3" fmla="*/ 1860605 h 1892410"/>
             </a:gdLst>
             <a:ahLst/>
             <a:cxnLst>
@@ -10366,138 +10408,18 @@
             </a:cxnLst>
             <a:rect l="l" t="t" r="r" b="b"/>
             <a:pathLst>
-              <a:path w="3530379" h="1876508">
+              <a:path w="3522427" h="1892410">
                 <a:moveTo>
                   <a:pt x="0" y="0"/>
                 </a:moveTo>
                 <a:lnTo>
-                  <a:pt x="238539" y="15903"/>
+                  <a:pt x="198782" y="0"/>
                 </a:lnTo>
                 <a:lnTo>
-                  <a:pt x="365760" y="1876508"/>
+                  <a:pt x="310101" y="1892410"/>
                 </a:lnTo>
                 <a:lnTo>
-                  <a:pt x="3530379" y="1852654"/>
-                </a:lnTo>
-              </a:path>
-            </a:pathLst>
-          </a:custGeom>
-        </p:spPr>
-        <p:style>
-          <a:lnRef idx="1">
-            <a:schemeClr val="accent3"/>
-          </a:lnRef>
-          <a:fillRef idx="0">
-            <a:schemeClr val="accent3"/>
-          </a:fillRef>
-          <a:effectRef idx="0">
-            <a:schemeClr val="accent3"/>
-          </a:effectRef>
-          <a:fontRef idx="minor">
-            <a:schemeClr val="tx1"/>
-          </a:fontRef>
-        </p:style>
-        <p:txBody>
-          <a:bodyPr rtlCol="0" anchor="ctr"/>
-          <a:lstStyle/>
-          <a:p>
-            <a:pPr algn="ctr"/>
-            <a:endParaRPr lang="pl-PL"/>
-          </a:p>
-        </p:txBody>
-      </p:sp>
-      <p:cxnSp>
-        <p:nvCxnSpPr>
-          <p:cNvPr id="104" name="Straight Arrow Connector 103">
-            <a:extLst>
-              <a:ext uri="{FF2B5EF4-FFF2-40B4-BE49-F238E27FC236}">
-                <a16:creationId xmlns:a16="http://schemas.microsoft.com/office/drawing/2014/main" id="{55D99649-194F-A049-97D3-B153CE113634}"/>
-              </a:ext>
-            </a:extLst>
-          </p:cNvPr>
-          <p:cNvCxnSpPr>
-            <a:stCxn id="100" idx="3"/>
-            <a:endCxn id="94" idx="2"/>
-          </p:cNvCxnSpPr>
-          <p:nvPr/>
-        </p:nvCxnSpPr>
-        <p:spPr>
-          <a:xfrm flipH="1" flipV="1">
-            <a:off x="8351845" y="4828987"/>
-            <a:ext cx="12927" cy="768731"/>
-          </a:xfrm>
-          <a:prstGeom prst="straightConnector1">
-            <a:avLst/>
-          </a:prstGeom>
-          <a:ln>
-            <a:tailEnd type="triangle"/>
-          </a:ln>
-        </p:spPr>
-        <p:style>
-          <a:lnRef idx="1">
-            <a:schemeClr val="accent3"/>
-          </a:lnRef>
-          <a:fillRef idx="0">
-            <a:schemeClr val="accent3"/>
-          </a:fillRef>
-          <a:effectRef idx="0">
-            <a:schemeClr val="accent3"/>
-          </a:effectRef>
-          <a:fontRef idx="minor">
-            <a:schemeClr val="tx1"/>
-          </a:fontRef>
-        </p:style>
-      </p:cxnSp>
-      <p:sp>
-        <p:nvSpPr>
-          <p:cNvPr id="105" name="Freeform: Shape 104">
-            <a:extLst>
-              <a:ext uri="{FF2B5EF4-FFF2-40B4-BE49-F238E27FC236}">
-                <a16:creationId xmlns:a16="http://schemas.microsoft.com/office/drawing/2014/main" id="{3E64BB13-0B04-891E-C9D9-BEA3BFD75A6C}"/>
-              </a:ext>
-            </a:extLst>
-          </p:cNvPr>
-          <p:cNvSpPr/>
-          <p:nvPr/>
-        </p:nvSpPr>
-        <p:spPr>
-          <a:xfrm>
-            <a:off x="4858247" y="3283889"/>
-            <a:ext cx="222636" cy="477078"/>
-          </a:xfrm>
-          <a:custGeom>
-            <a:avLst/>
-            <a:gdLst>
-              <a:gd name="connsiteX0" fmla="*/ 222636 w 222636"/>
-              <a:gd name="connsiteY0" fmla="*/ 477078 h 477078"/>
-              <a:gd name="connsiteX1" fmla="*/ 190831 w 222636"/>
-              <a:gd name="connsiteY1" fmla="*/ 39756 h 477078"/>
-              <a:gd name="connsiteX2" fmla="*/ 0 w 222636"/>
-              <a:gd name="connsiteY2" fmla="*/ 0 h 477078"/>
-            </a:gdLst>
-            <a:ahLst/>
-            <a:cxnLst>
-              <a:cxn ang="0">
-                <a:pos x="connsiteX0" y="connsiteY0"/>
-              </a:cxn>
-              <a:cxn ang="0">
-                <a:pos x="connsiteX1" y="connsiteY1"/>
-              </a:cxn>
-              <a:cxn ang="0">
-                <a:pos x="connsiteX2" y="connsiteY2"/>
-              </a:cxn>
-            </a:cxnLst>
-            <a:rect l="l" t="t" r="r" b="b"/>
-            <a:pathLst>
-              <a:path w="222636" h="477078">
-                <a:moveTo>
-                  <a:pt x="222636" y="477078"/>
-                </a:moveTo>
-                <a:lnTo>
-                  <a:pt x="190831" y="39756"/>
-                </a:lnTo>
-                <a:lnTo>
-                  <a:pt x="0" y="0"/>
+                  <a:pt x="3522427" y="1860605"/>
                 </a:lnTo>
               </a:path>
             </a:pathLst>
@@ -11954,48 +11876,6 @@
           </a:fillRef>
           <a:effectRef idx="0">
             <a:schemeClr val="accent3"/>
-          </a:effectRef>
-          <a:fontRef idx="minor">
-            <a:schemeClr val="tx1"/>
-          </a:fontRef>
-        </p:style>
-      </p:cxnSp>
-      <p:cxnSp>
-        <p:nvCxnSpPr>
-          <p:cNvPr id="12" name="Straight Arrow Connector 11">
-            <a:extLst>
-              <a:ext uri="{FF2B5EF4-FFF2-40B4-BE49-F238E27FC236}">
-                <a16:creationId xmlns:a16="http://schemas.microsoft.com/office/drawing/2014/main" id="{3191BD5D-F922-7A26-C999-8DE1DDE8A05D}"/>
-              </a:ext>
-            </a:extLst>
-          </p:cNvPr>
-          <p:cNvCxnSpPr>
-            <a:stCxn id="25" idx="3"/>
-            <a:endCxn id="20" idx="1"/>
-          </p:cNvCxnSpPr>
-          <p:nvPr/>
-        </p:nvCxnSpPr>
-        <p:spPr>
-          <a:xfrm>
-            <a:off x="5024281" y="4038996"/>
-            <a:ext cx="1209981" cy="1000214"/>
-          </a:xfrm>
-          <a:prstGeom prst="straightConnector1">
-            <a:avLst/>
-          </a:prstGeom>
-          <a:ln>
-            <a:tailEnd type="triangle"/>
-          </a:ln>
-        </p:spPr>
-        <p:style>
-          <a:lnRef idx="1">
-            <a:schemeClr val="accent6"/>
-          </a:lnRef>
-          <a:fillRef idx="0">
-            <a:schemeClr val="accent6"/>
-          </a:fillRef>
-          <a:effectRef idx="0">
-            <a:schemeClr val="accent6"/>
           </a:effectRef>
           <a:fontRef idx="minor">
             <a:schemeClr val="tx1"/>
